--- a/PowerPoint.pptx
+++ b/PowerPoint.pptx
@@ -116,6 +116,11 @@
       </a:defRPr>
     </a:lvl9pPr>
   </p:defaultTextStyle>
+  <p:extLst>
+    <p:ext uri="{EFAFB233-063F-42B5-8137-9DF3F51BA10A}">
+      <p15:sldGuideLst xmlns:p15="http://schemas.microsoft.com/office/powerpoint/2012/main"/>
+    </p:ext>
+  </p:extLst>
 </p:presentation>
 </file>
 
@@ -290,7 +295,7 @@
           <a:p>
             <a:fld id="{48A87A34-81AB-432B-8DAE-1953F412C126}" type="datetimeFigureOut">
               <a:rPr lang="en-US" smtClean="0"/>
-              <a:t>2/20/2025</a:t>
+              <a:t>2/21/2025</a:t>
             </a:fld>
             <a:endParaRPr lang="en-US" dirty="0"/>
           </a:p>
@@ -602,7 +607,7 @@
           <a:p>
             <a:fld id="{48A87A34-81AB-432B-8DAE-1953F412C126}" type="datetimeFigureOut">
               <a:rPr lang="en-US" smtClean="0"/>
-              <a:t>2/20/2025</a:t>
+              <a:t>2/21/2025</a:t>
             </a:fld>
             <a:endParaRPr lang="en-US" dirty="0"/>
           </a:p>
@@ -824,7 +829,7 @@
           <a:p>
             <a:fld id="{48A87A34-81AB-432B-8DAE-1953F412C126}" type="datetimeFigureOut">
               <a:rPr lang="en-US" smtClean="0"/>
-              <a:t>2/20/2025</a:t>
+              <a:t>2/21/2025</a:t>
             </a:fld>
             <a:endParaRPr lang="en-US" dirty="0"/>
           </a:p>
@@ -1115,7 +1120,7 @@
           <a:p>
             <a:fld id="{48A87A34-81AB-432B-8DAE-1953F412C126}" type="datetimeFigureOut">
               <a:rPr lang="en-US" smtClean="0"/>
-              <a:t>2/20/2025</a:t>
+              <a:t>2/21/2025</a:t>
             </a:fld>
             <a:endParaRPr lang="en-US" dirty="0"/>
           </a:p>
@@ -1569,7 +1574,7 @@
           <a:p>
             <a:fld id="{48A87A34-81AB-432B-8DAE-1953F412C126}" type="datetimeFigureOut">
               <a:rPr lang="en-US" smtClean="0"/>
-              <a:t>2/20/2025</a:t>
+              <a:t>2/21/2025</a:t>
             </a:fld>
             <a:endParaRPr lang="en-US" dirty="0"/>
           </a:p>
@@ -2145,7 +2150,7 @@
           <a:p>
             <a:fld id="{48A87A34-81AB-432B-8DAE-1953F412C126}" type="datetimeFigureOut">
               <a:rPr lang="en-US" smtClean="0"/>
-              <a:t>2/20/2025</a:t>
+              <a:t>2/21/2025</a:t>
             </a:fld>
             <a:endParaRPr lang="en-US" dirty="0"/>
           </a:p>
@@ -2997,7 +3002,7 @@
           <a:p>
             <a:fld id="{48A87A34-81AB-432B-8DAE-1953F412C126}" type="datetimeFigureOut">
               <a:rPr lang="en-US" smtClean="0"/>
-              <a:t>2/20/2025</a:t>
+              <a:t>2/21/2025</a:t>
             </a:fld>
             <a:endParaRPr lang="en-US" dirty="0"/>
           </a:p>
@@ -3203,7 +3208,7 @@
             <a:fld id="{48A87A34-81AB-432B-8DAE-1953F412C126}" type="datetimeFigureOut">
               <a:rPr lang="en-US" smtClean="0"/>
               <a:pPr/>
-              <a:t>2/20/2025</a:t>
+              <a:t>2/21/2025</a:t>
             </a:fld>
             <a:endParaRPr lang="en-US" dirty="0"/>
           </a:p>
@@ -3419,7 +3424,7 @@
             <a:fld id="{48A87A34-81AB-432B-8DAE-1953F412C126}" type="datetimeFigureOut">
               <a:rPr lang="en-US" smtClean="0"/>
               <a:pPr/>
-              <a:t>2/20/2025</a:t>
+              <a:t>2/21/2025</a:t>
             </a:fld>
             <a:endParaRPr lang="en-US" dirty="0"/>
           </a:p>
@@ -3590,7 +3595,7 @@
           <a:p>
             <a:fld id="{48A87A34-81AB-432B-8DAE-1953F412C126}" type="datetimeFigureOut">
               <a:rPr lang="en-US" dirty="0"/>
-              <a:t>2/20/2025</a:t>
+              <a:t>2/21/2025</a:t>
             </a:fld>
             <a:endParaRPr lang="en-US" dirty="0"/>
           </a:p>
@@ -3796,7 +3801,7 @@
             <a:fld id="{48A87A34-81AB-432B-8DAE-1953F412C126}" type="datetimeFigureOut">
               <a:rPr lang="en-US" smtClean="0"/>
               <a:pPr/>
-              <a:t>2/20/2025</a:t>
+              <a:t>2/21/2025</a:t>
             </a:fld>
             <a:endParaRPr lang="en-US" dirty="0"/>
           </a:p>
@@ -4077,7 +4082,7 @@
           <a:p>
             <a:fld id="{48A87A34-81AB-432B-8DAE-1953F412C126}" type="datetimeFigureOut">
               <a:rPr lang="en-US" smtClean="0"/>
-              <a:t>2/20/2025</a:t>
+              <a:t>2/21/2025</a:t>
             </a:fld>
             <a:endParaRPr lang="en-US" dirty="0"/>
           </a:p>
@@ -4345,7 +4350,7 @@
             <a:fld id="{48A87A34-81AB-432B-8DAE-1953F412C126}" type="datetimeFigureOut">
               <a:rPr lang="en-US" smtClean="0"/>
               <a:pPr/>
-              <a:t>2/20/2025</a:t>
+              <a:t>2/21/2025</a:t>
             </a:fld>
             <a:endParaRPr lang="en-US" dirty="0"/>
           </a:p>
@@ -4762,7 +4767,7 @@
             <a:fld id="{48A87A34-81AB-432B-8DAE-1953F412C126}" type="datetimeFigureOut">
               <a:rPr lang="en-US" smtClean="0"/>
               <a:pPr/>
-              <a:t>2/20/2025</a:t>
+              <a:t>2/21/2025</a:t>
             </a:fld>
             <a:endParaRPr lang="en-US" dirty="0"/>
           </a:p>
@@ -4911,7 +4916,7 @@
           <a:p>
             <a:fld id="{48A87A34-81AB-432B-8DAE-1953F412C126}" type="datetimeFigureOut">
               <a:rPr lang="en-US" smtClean="0"/>
-              <a:t>2/20/2025</a:t>
+              <a:t>2/21/2025</a:t>
             </a:fld>
             <a:endParaRPr lang="en-US" dirty="0"/>
           </a:p>
@@ -5036,7 +5041,7 @@
           <a:p>
             <a:fld id="{48A87A34-81AB-432B-8DAE-1953F412C126}" type="datetimeFigureOut">
               <a:rPr lang="en-US" smtClean="0"/>
-              <a:t>2/20/2025</a:t>
+              <a:t>2/21/2025</a:t>
             </a:fld>
             <a:endParaRPr lang="en-US" dirty="0"/>
           </a:p>
@@ -5316,7 +5321,7 @@
             <a:fld id="{48A87A34-81AB-432B-8DAE-1953F412C126}" type="datetimeFigureOut">
               <a:rPr lang="en-US" smtClean="0"/>
               <a:pPr/>
-              <a:t>2/20/2025</a:t>
+              <a:t>2/21/2025</a:t>
             </a:fld>
             <a:endParaRPr lang="en-US" dirty="0"/>
           </a:p>
@@ -5629,7 +5634,7 @@
           <a:p>
             <a:fld id="{48A87A34-81AB-432B-8DAE-1953F412C126}" type="datetimeFigureOut">
               <a:rPr lang="en-US" smtClean="0"/>
-              <a:t>2/20/2025</a:t>
+              <a:t>2/21/2025</a:t>
             </a:fld>
             <a:endParaRPr lang="en-US" dirty="0"/>
           </a:p>
@@ -5883,7 +5888,7 @@
             <a:fld id="{48A87A34-81AB-432B-8DAE-1953F412C126}" type="datetimeFigureOut">
               <a:rPr lang="en-US" smtClean="0"/>
               <a:pPr/>
-              <a:t>2/20/2025</a:t>
+              <a:t>2/21/2025</a:t>
             </a:fld>
             <a:endParaRPr lang="en-US" dirty="0"/>
           </a:p>
@@ -6426,7 +6431,7 @@
                 <a:latin typeface="Times New Roman" panose="02020603050405020304" pitchFamily="18" charset="0"/>
                 <a:cs typeface="Times New Roman" panose="02020603050405020304" pitchFamily="18" charset="0"/>
               </a:rPr>
-              <a:t>			20/02/2025</a:t>
+              <a:t>			22/02/2025</a:t>
             </a:r>
           </a:p>
         </p:txBody>
@@ -6490,7 +6495,7 @@
           <a:lstStyle/>
           <a:p>
             <a:r>
-              <a:rPr lang="en-US" sz="2800" dirty="0">
+              <a:rPr lang="en-US" sz="2800" b="1" dirty="0">
                 <a:latin typeface="Times New Roman" panose="02020603050405020304" pitchFamily="18" charset="0"/>
                 <a:cs typeface="Times New Roman" panose="02020603050405020304" pitchFamily="18" charset="0"/>
               </a:rPr>
@@ -6560,8 +6565,8 @@
         </p:nvSpPr>
         <p:spPr>
           <a:xfrm>
-            <a:off x="6096000" y="1821893"/>
-            <a:ext cx="5703482" cy="3785652"/>
+            <a:off x="5861713" y="986823"/>
+            <a:ext cx="5703482" cy="5576976"/>
           </a:xfrm>
           <a:prstGeom prst="rect">
             <a:avLst/>
@@ -6574,6 +6579,11 @@
           </a:bodyPr>
           <a:lstStyle/>
           <a:p>
+            <a:pPr>
+              <a:lnSpc>
+                <a:spcPct val="150000"/>
+              </a:lnSpc>
+            </a:pPr>
             <a:r>
               <a:rPr lang="en-US" sz="2000" dirty="0">
                 <a:latin typeface="Times New Roman" panose="02020603050405020304" pitchFamily="18" charset="0"/>
@@ -6598,6 +6608,9 @@
           </a:p>
           <a:p>
             <a:pPr>
+              <a:lnSpc>
+                <a:spcPct val="150000"/>
+              </a:lnSpc>
               <a:buFont typeface="Arial" panose="020B0604020202020204" pitchFamily="34" charset="0"/>
               <a:buChar char="•"/>
             </a:pPr>
@@ -6618,6 +6631,9 @@
           </a:p>
           <a:p>
             <a:pPr>
+              <a:lnSpc>
+                <a:spcPct val="150000"/>
+              </a:lnSpc>
               <a:buFont typeface="Arial" panose="020B0604020202020204" pitchFamily="34" charset="0"/>
               <a:buChar char="•"/>
             </a:pPr>
@@ -6638,6 +6654,9 @@
           </a:p>
           <a:p>
             <a:pPr>
+              <a:lnSpc>
+                <a:spcPct val="150000"/>
+              </a:lnSpc>
               <a:buFont typeface="Arial" panose="020B0604020202020204" pitchFamily="34" charset="0"/>
               <a:buChar char="•"/>
             </a:pPr>
@@ -6658,6 +6677,9 @@
           </a:p>
           <a:p>
             <a:pPr>
+              <a:lnSpc>
+                <a:spcPct val="150000"/>
+              </a:lnSpc>
               <a:buFont typeface="Arial" panose="020B0604020202020204" pitchFamily="34" charset="0"/>
               <a:buChar char="•"/>
             </a:pPr>
@@ -6677,6 +6699,11 @@
             </a:r>
           </a:p>
           <a:p>
+            <a:pPr>
+              <a:lnSpc>
+                <a:spcPct val="150000"/>
+              </a:lnSpc>
+            </a:pPr>
             <a:r>
               <a:rPr lang="en-US" sz="2000" b="1" dirty="0">
                 <a:latin typeface="Times New Roman" panose="02020603050405020304" pitchFamily="18" charset="0"/>
@@ -6738,8 +6765,8 @@
         </p:nvSpPr>
         <p:spPr>
           <a:xfrm>
-            <a:off x="1610436" y="1398533"/>
-            <a:ext cx="9198591" cy="4401205"/>
+            <a:off x="914400" y="1222524"/>
+            <a:ext cx="10631606" cy="5185522"/>
           </a:xfrm>
           <a:prstGeom prst="rect">
             <a:avLst/>
@@ -6753,54 +6780,62 @@
           <a:lstStyle/>
           <a:p>
             <a:pPr>
+              <a:lnSpc>
+                <a:spcPct val="150000"/>
+              </a:lnSpc>
+            </a:pPr>
+            <a:r>
+              <a:rPr lang="en-US" sz="2800" b="1" u="sng" dirty="0">
+                <a:latin typeface="Times New Roman" panose="02020603050405020304" pitchFamily="18" charset="0"/>
+                <a:cs typeface="Times New Roman" panose="02020603050405020304" pitchFamily="18" charset="0"/>
+              </a:rPr>
+              <a:t>Conclusion:</a:t>
+            </a:r>
+          </a:p>
+          <a:p>
+            <a:pPr marL="742950" lvl="1" indent="-285750">
+              <a:lnSpc>
+                <a:spcPct val="150000"/>
+              </a:lnSpc>
               <a:buFont typeface="Arial" panose="020B0604020202020204" pitchFamily="34" charset="0"/>
               <a:buChar char="•"/>
             </a:pPr>
             <a:r>
-              <a:rPr lang="en-US" sz="2800" b="1" u="sng" dirty="0">
-                <a:latin typeface="Times New Roman" panose="02020603050405020304" pitchFamily="18" charset="0"/>
-                <a:cs typeface="Times New Roman" panose="02020603050405020304" pitchFamily="18" charset="0"/>
-              </a:rPr>
-              <a:t>Key Takeaways:</a:t>
+              <a:rPr lang="en-US" sz="2800" b="1" dirty="0" err="1">
+                <a:latin typeface="Times New Roman" panose="02020603050405020304" pitchFamily="18" charset="0"/>
+                <a:cs typeface="Times New Roman" panose="02020603050405020304" pitchFamily="18" charset="0"/>
+              </a:rPr>
+              <a:t>XGBoost</a:t>
+            </a:r>
+            <a:r>
+              <a:rPr lang="en-US" sz="2800" dirty="0">
+                <a:latin typeface="Times New Roman" panose="02020603050405020304" pitchFamily="18" charset="0"/>
+                <a:cs typeface="Times New Roman" panose="02020603050405020304" pitchFamily="18" charset="0"/>
+              </a:rPr>
+              <a:t> outperforms other models in churn prediction.</a:t>
             </a:r>
           </a:p>
           <a:p>
             <a:pPr marL="742950" lvl="1" indent="-285750">
+              <a:lnSpc>
+                <a:spcPct val="150000"/>
+              </a:lnSpc>
               <a:buFont typeface="Arial" panose="020B0604020202020204" pitchFamily="34" charset="0"/>
               <a:buChar char="•"/>
             </a:pPr>
             <a:r>
-              <a:rPr lang="en-US" sz="2800" b="1" dirty="0" err="1">
-                <a:latin typeface="Times New Roman" panose="02020603050405020304" pitchFamily="18" charset="0"/>
-                <a:cs typeface="Times New Roman" panose="02020603050405020304" pitchFamily="18" charset="0"/>
-              </a:rPr>
-              <a:t>XGBoost</a:t>
-            </a:r>
-            <a:r>
               <a:rPr lang="en-US" sz="2800" dirty="0">
                 <a:latin typeface="Times New Roman" panose="02020603050405020304" pitchFamily="18" charset="0"/>
                 <a:cs typeface="Times New Roman" panose="02020603050405020304" pitchFamily="18" charset="0"/>
               </a:rPr>
-              <a:t> outperforms other models in churn prediction.</a:t>
-            </a:r>
-          </a:p>
-          <a:p>
-            <a:pPr marL="742950" lvl="1" indent="-285750">
-              <a:buFont typeface="Arial" panose="020B0604020202020204" pitchFamily="34" charset="0"/>
-              <a:buChar char="•"/>
-            </a:pPr>
-            <a:r>
-              <a:rPr lang="en-US" sz="2800" dirty="0">
-                <a:latin typeface="Times New Roman" panose="02020603050405020304" pitchFamily="18" charset="0"/>
-                <a:cs typeface="Times New Roman" panose="02020603050405020304" pitchFamily="18" charset="0"/>
-              </a:rPr>
               <a:t>High churn customers tend to have month-to-month contracts and high support calls.</a:t>
             </a:r>
           </a:p>
           <a:p>
             <a:pPr>
-              <a:buFont typeface="Arial" panose="020B0604020202020204" pitchFamily="34" charset="0"/>
-              <a:buChar char="•"/>
+              <a:lnSpc>
+                <a:spcPct val="150000"/>
+              </a:lnSpc>
             </a:pPr>
             <a:r>
               <a:rPr lang="en-US" sz="2800" b="1" u="sng" dirty="0">
@@ -6816,6 +6851,9 @@
           </a:p>
           <a:p>
             <a:pPr marL="742950" lvl="1" indent="-285750">
+              <a:lnSpc>
+                <a:spcPct val="150000"/>
+              </a:lnSpc>
               <a:buFont typeface="Arial" panose="020B0604020202020204" pitchFamily="34" charset="0"/>
               <a:buChar char="•"/>
             </a:pPr>
@@ -6829,6 +6867,9 @@
           </a:p>
           <a:p>
             <a:pPr marL="742950" lvl="1" indent="-285750">
+              <a:lnSpc>
+                <a:spcPct val="150000"/>
+              </a:lnSpc>
               <a:buFont typeface="Arial" panose="020B0604020202020204" pitchFamily="34" charset="0"/>
               <a:buChar char="•"/>
             </a:pPr>
@@ -6842,6 +6883,9 @@
           </a:p>
           <a:p>
             <a:pPr marL="742950" lvl="1" indent="-285750">
+              <a:lnSpc>
+                <a:spcPct val="150000"/>
+              </a:lnSpc>
               <a:buFont typeface="Arial" panose="020B0604020202020204" pitchFamily="34" charset="0"/>
               <a:buChar char="•"/>
             </a:pPr>
@@ -6937,8 +6981,8 @@
         </p:nvSpPr>
         <p:spPr>
           <a:xfrm>
-            <a:off x="2074460" y="2115402"/>
-            <a:ext cx="7584742" cy="2246769"/>
+            <a:off x="1059976" y="2128900"/>
+            <a:ext cx="10072047" cy="2600199"/>
           </a:xfrm>
           <a:prstGeom prst="rect">
             <a:avLst/>
@@ -6952,6 +6996,9 @@
           <a:lstStyle/>
           <a:p>
             <a:pPr>
+              <a:lnSpc>
+                <a:spcPct val="150000"/>
+              </a:lnSpc>
               <a:buFont typeface="Arial" panose="020B0604020202020204" pitchFamily="34" charset="0"/>
               <a:buChar char="•"/>
             </a:pPr>
@@ -6972,6 +7019,9 @@
           </a:p>
           <a:p>
             <a:pPr>
+              <a:lnSpc>
+                <a:spcPct val="150000"/>
+              </a:lnSpc>
               <a:buFont typeface="Arial" panose="020B0604020202020204" pitchFamily="34" charset="0"/>
               <a:buChar char="•"/>
             </a:pPr>
@@ -6992,6 +7042,9 @@
           </a:p>
           <a:p>
             <a:pPr>
+              <a:lnSpc>
+                <a:spcPct val="150000"/>
+              </a:lnSpc>
               <a:buFont typeface="Arial" panose="020B0604020202020204" pitchFamily="34" charset="0"/>
               <a:buChar char="•"/>
             </a:pPr>
@@ -7040,8 +7093,8 @@
         </p:nvSpPr>
         <p:spPr>
           <a:xfrm>
-            <a:off x="2937681" y="518193"/>
-            <a:ext cx="6093724" cy="769441"/>
+            <a:off x="3797490" y="913978"/>
+            <a:ext cx="3231107" cy="769441"/>
           </a:xfrm>
           <a:prstGeom prst="rect">
             <a:avLst/>
@@ -7170,7 +7223,7 @@
         </p:nvSpPr>
         <p:spPr>
           <a:xfrm>
-            <a:off x="6096000" y="1344389"/>
+            <a:off x="3571164" y="1061899"/>
             <a:ext cx="3903259" cy="2283641"/>
           </a:xfrm>
           <a:prstGeom prst="actionButtonHelp">
@@ -7214,7 +7267,7 @@
         </p:nvSpPr>
         <p:spPr>
           <a:xfrm>
-            <a:off x="3049138" y="513392"/>
+            <a:off x="3571164" y="1061899"/>
             <a:ext cx="2246193" cy="769441"/>
           </a:xfrm>
           <a:prstGeom prst="rect">
@@ -7349,10 +7402,13 @@
           <a:lstStyle/>
           <a:p>
             <a:pPr marL="0" indent="0" algn="l">
+              <a:lnSpc>
+                <a:spcPct val="150000"/>
+              </a:lnSpc>
               <a:buNone/>
             </a:pPr>
             <a:r>
-              <a:rPr lang="en-US" sz="2400" b="1" i="0" u="sng" dirty="0">
+              <a:rPr lang="en-US" sz="2400" b="1" i="0" u="sng" cap="none" dirty="0">
                 <a:solidFill>
                   <a:srgbClr val="000000"/>
                 </a:solidFill>
@@ -7360,15 +7416,18 @@
                 <a:latin typeface="Times New Roman" panose="02020603050405020304" pitchFamily="18" charset="0"/>
                 <a:cs typeface="Times New Roman" panose="02020603050405020304" pitchFamily="18" charset="0"/>
               </a:rPr>
-              <a:t>Problem Statement</a:t>
+              <a:t>Problem statement</a:t>
             </a:r>
           </a:p>
           <a:p>
             <a:pPr marL="0" indent="0" algn="l">
+              <a:lnSpc>
+                <a:spcPct val="150000"/>
+              </a:lnSpc>
               <a:buNone/>
             </a:pPr>
             <a:r>
-              <a:rPr lang="en-US" b="0" i="0" dirty="0" err="1">
+              <a:rPr lang="en-US" b="0" i="0" cap="none" dirty="0">
                 <a:solidFill>
                   <a:srgbClr val="000000"/>
                 </a:solidFill>
@@ -7376,10 +7435,10 @@
                 <a:latin typeface="Times New Roman" panose="02020603050405020304" pitchFamily="18" charset="0"/>
                 <a:cs typeface="Times New Roman" panose="02020603050405020304" pitchFamily="18" charset="0"/>
               </a:rPr>
-              <a:t>SyriaTel</a:t>
-            </a:r>
-            <a:r>
-              <a:rPr lang="en-US" b="0" i="0" dirty="0">
+              <a:t>Syriatel, a leading telecommunications company, faces a major challenge: </a:t>
+            </a:r>
+            <a:r>
+              <a:rPr lang="en-US" b="1" i="0" cap="none" dirty="0">
                 <a:solidFill>
                   <a:srgbClr val="000000"/>
                 </a:solidFill>
@@ -7387,10 +7446,10 @@
                 <a:latin typeface="Times New Roman" panose="02020603050405020304" pitchFamily="18" charset="0"/>
                 <a:cs typeface="Times New Roman" panose="02020603050405020304" pitchFamily="18" charset="0"/>
               </a:rPr>
-              <a:t>, a leading telecommunications company, faces a major challenge: </a:t>
-            </a:r>
-            <a:r>
-              <a:rPr lang="en-US" b="1" i="0" dirty="0">
+              <a:t>customer churn</a:t>
+            </a:r>
+            <a:r>
+              <a:rPr lang="en-US" b="0" i="0" cap="none" dirty="0">
                 <a:solidFill>
                   <a:srgbClr val="000000"/>
                 </a:solidFill>
@@ -7398,10 +7457,10 @@
                 <a:latin typeface="Times New Roman" panose="02020603050405020304" pitchFamily="18" charset="0"/>
                 <a:cs typeface="Times New Roman" panose="02020603050405020304" pitchFamily="18" charset="0"/>
               </a:rPr>
-              <a:t>customer churn</a:t>
-            </a:r>
-            <a:r>
-              <a:rPr lang="en-US" b="0" i="0" dirty="0">
+              <a:t>. Customers leaving the network results in revenue loss and increased costs to acquire new users. To maintain profitability and customer loyalty, </a:t>
+            </a:r>
+            <a:r>
+              <a:rPr lang="en-US" b="0" i="0" cap="none" dirty="0" err="1">
                 <a:solidFill>
                   <a:srgbClr val="000000"/>
                 </a:solidFill>
@@ -7409,10 +7468,10 @@
                 <a:latin typeface="Times New Roman" panose="02020603050405020304" pitchFamily="18" charset="0"/>
                 <a:cs typeface="Times New Roman" panose="02020603050405020304" pitchFamily="18" charset="0"/>
               </a:rPr>
-              <a:t>. Customers leaving the network results in revenue loss and increased costs to acquire new users. To maintain profitability and customer loyalty, </a:t>
-            </a:r>
-            <a:r>
-              <a:rPr lang="en-US" b="0" i="0" dirty="0" err="1">
+              <a:t>syriatel</a:t>
+            </a:r>
+            <a:r>
+              <a:rPr lang="en-US" b="0" i="0" cap="none" dirty="0">
                 <a:solidFill>
                   <a:srgbClr val="000000"/>
                 </a:solidFill>
@@ -7420,10 +7479,10 @@
                 <a:latin typeface="Times New Roman" panose="02020603050405020304" pitchFamily="18" charset="0"/>
                 <a:cs typeface="Times New Roman" panose="02020603050405020304" pitchFamily="18" charset="0"/>
               </a:rPr>
-              <a:t>SyriaTel</a:t>
-            </a:r>
-            <a:r>
-              <a:rPr lang="en-US" b="0" i="0" dirty="0">
+              <a:t> needs a reliable way to </a:t>
+            </a:r>
+            <a:r>
+              <a:rPr lang="en-US" b="1" i="0" cap="none" dirty="0">
                 <a:solidFill>
                   <a:srgbClr val="000000"/>
                 </a:solidFill>
@@ -7431,10 +7490,10 @@
                 <a:latin typeface="Times New Roman" panose="02020603050405020304" pitchFamily="18" charset="0"/>
                 <a:cs typeface="Times New Roman" panose="02020603050405020304" pitchFamily="18" charset="0"/>
               </a:rPr>
-              <a:t> needs a reliable way to </a:t>
-            </a:r>
-            <a:r>
-              <a:rPr lang="en-US" b="1" i="0" dirty="0">
+              <a:t>predict which customers are likely to churn</a:t>
+            </a:r>
+            <a:r>
+              <a:rPr lang="en-US" b="0" i="0" cap="none" dirty="0">
                 <a:solidFill>
                   <a:srgbClr val="000000"/>
                 </a:solidFill>
@@ -7442,10 +7501,26 @@
                 <a:latin typeface="Times New Roman" panose="02020603050405020304" pitchFamily="18" charset="0"/>
                 <a:cs typeface="Times New Roman" panose="02020603050405020304" pitchFamily="18" charset="0"/>
               </a:rPr>
-              <a:t>predict which customers are likely to churn</a:t>
-            </a:r>
-            <a:r>
-              <a:rPr lang="en-US" b="0" i="0" dirty="0">
+              <a:t> and take proactive retention measures.</a:t>
+            </a:r>
+            <a:endParaRPr lang="en-US" b="1" i="0" u="sng" cap="none" dirty="0">
+              <a:solidFill>
+                <a:srgbClr val="000000"/>
+              </a:solidFill>
+              <a:effectLst/>
+              <a:latin typeface="Times New Roman" panose="02020603050405020304" pitchFamily="18" charset="0"/>
+              <a:cs typeface="Times New Roman" panose="02020603050405020304" pitchFamily="18" charset="0"/>
+            </a:endParaRPr>
+          </a:p>
+          <a:p>
+            <a:pPr marL="0" indent="0" algn="l">
+              <a:lnSpc>
+                <a:spcPct val="150000"/>
+              </a:lnSpc>
+              <a:buNone/>
+            </a:pPr>
+            <a:r>
+              <a:rPr lang="en-US" sz="2400" b="1" i="0" u="sng" cap="none" dirty="0">
                 <a:solidFill>
                   <a:srgbClr val="000000"/>
                 </a:solidFill>
@@ -7453,15 +7528,18 @@
                 <a:latin typeface="Times New Roman" panose="02020603050405020304" pitchFamily="18" charset="0"/>
                 <a:cs typeface="Times New Roman" panose="02020603050405020304" pitchFamily="18" charset="0"/>
               </a:rPr>
-              <a:t> and take proactive retention measures.</a:t>
+              <a:t>Objective</a:t>
             </a:r>
           </a:p>
           <a:p>
             <a:pPr marL="0" indent="0" algn="l">
+              <a:lnSpc>
+                <a:spcPct val="150000"/>
+              </a:lnSpc>
               <a:buNone/>
             </a:pPr>
             <a:r>
-              <a:rPr lang="en-US" sz="2400" b="1" i="0" u="sng" dirty="0">
+              <a:rPr lang="en-US" b="0" i="0" cap="none" dirty="0">
                 <a:solidFill>
                   <a:srgbClr val="000000"/>
                 </a:solidFill>
@@ -7469,15 +7547,10 @@
                 <a:latin typeface="Times New Roman" panose="02020603050405020304" pitchFamily="18" charset="0"/>
                 <a:cs typeface="Times New Roman" panose="02020603050405020304" pitchFamily="18" charset="0"/>
               </a:rPr>
-              <a:t>Objective</a:t>
-            </a:r>
-          </a:p>
-          <a:p>
-            <a:pPr marL="0" indent="0" algn="l">
-              <a:buNone/>
-            </a:pPr>
-            <a:r>
-              <a:rPr lang="en-US" b="0" i="0" dirty="0">
+              <a:t>The goal of this project is to </a:t>
+            </a:r>
+            <a:r>
+              <a:rPr lang="en-US" b="1" i="0" cap="none" dirty="0">
                 <a:solidFill>
                   <a:srgbClr val="000000"/>
                 </a:solidFill>
@@ -7485,10 +7558,10 @@
                 <a:latin typeface="Times New Roman" panose="02020603050405020304" pitchFamily="18" charset="0"/>
                 <a:cs typeface="Times New Roman" panose="02020603050405020304" pitchFamily="18" charset="0"/>
               </a:rPr>
-              <a:t>The goal of this project is to </a:t>
-            </a:r>
-            <a:r>
-              <a:rPr lang="en-US" b="1" i="0" dirty="0">
+              <a:t>build a classification model</a:t>
+            </a:r>
+            <a:r>
+              <a:rPr lang="en-US" b="0" i="0" cap="none" dirty="0">
                 <a:solidFill>
                   <a:srgbClr val="000000"/>
                 </a:solidFill>
@@ -7496,10 +7569,10 @@
                 <a:latin typeface="Times New Roman" panose="02020603050405020304" pitchFamily="18" charset="0"/>
                 <a:cs typeface="Times New Roman" panose="02020603050405020304" pitchFamily="18" charset="0"/>
               </a:rPr>
-              <a:t>build a Classification model</a:t>
-            </a:r>
-            <a:r>
-              <a:rPr lang="en-US" b="0" i="0" dirty="0">
+              <a:t> to </a:t>
+            </a:r>
+            <a:r>
+              <a:rPr lang="en-US" b="1" i="0" cap="none" dirty="0">
                 <a:solidFill>
                   <a:srgbClr val="000000"/>
                 </a:solidFill>
@@ -7507,10 +7580,10 @@
                 <a:latin typeface="Times New Roman" panose="02020603050405020304" pitchFamily="18" charset="0"/>
                 <a:cs typeface="Times New Roman" panose="02020603050405020304" pitchFamily="18" charset="0"/>
               </a:rPr>
-              <a:t> to </a:t>
-            </a:r>
-            <a:r>
-              <a:rPr lang="en-US" b="1" i="0" dirty="0">
+              <a:t>predict</a:t>
+            </a:r>
+            <a:r>
+              <a:rPr lang="en-US" b="0" i="0" cap="none" dirty="0">
                 <a:solidFill>
                   <a:srgbClr val="000000"/>
                 </a:solidFill>
@@ -7518,10 +7591,10 @@
                 <a:latin typeface="Times New Roman" panose="02020603050405020304" pitchFamily="18" charset="0"/>
                 <a:cs typeface="Times New Roman" panose="02020603050405020304" pitchFamily="18" charset="0"/>
               </a:rPr>
-              <a:t>predict</a:t>
-            </a:r>
-            <a:r>
-              <a:rPr lang="en-US" b="0" i="0" dirty="0">
+              <a:t> whether customers are at risk of churning based on their </a:t>
+            </a:r>
+            <a:r>
+              <a:rPr lang="en-US" b="1" i="0" cap="none" dirty="0">
                 <a:solidFill>
                   <a:srgbClr val="000000"/>
                 </a:solidFill>
@@ -7529,10 +7602,10 @@
                 <a:latin typeface="Times New Roman" panose="02020603050405020304" pitchFamily="18" charset="0"/>
                 <a:cs typeface="Times New Roman" panose="02020603050405020304" pitchFamily="18" charset="0"/>
               </a:rPr>
-              <a:t> whether customers are at risk of churning based on their </a:t>
-            </a:r>
-            <a:r>
-              <a:rPr lang="en-US" b="1" i="0" dirty="0">
+              <a:t>call usage, account features, and service complaints</a:t>
+            </a:r>
+            <a:r>
+              <a:rPr lang="en-US" b="0" i="0" cap="none" dirty="0">
                 <a:solidFill>
                   <a:srgbClr val="000000"/>
                 </a:solidFill>
@@ -7540,10 +7613,10 @@
                 <a:latin typeface="Times New Roman" panose="02020603050405020304" pitchFamily="18" charset="0"/>
                 <a:cs typeface="Times New Roman" panose="02020603050405020304" pitchFamily="18" charset="0"/>
               </a:rPr>
-              <a:t>call usage, account features, and service complaints</a:t>
-            </a:r>
-            <a:r>
-              <a:rPr lang="en-US" b="0" i="0" dirty="0">
+              <a:t>. Syriatel can then implement </a:t>
+            </a:r>
+            <a:r>
+              <a:rPr lang="en-US" b="1" i="0" cap="none" dirty="0">
                 <a:solidFill>
                   <a:srgbClr val="000000"/>
                 </a:solidFill>
@@ -7551,10 +7624,10 @@
                 <a:latin typeface="Times New Roman" panose="02020603050405020304" pitchFamily="18" charset="0"/>
                 <a:cs typeface="Times New Roman" panose="02020603050405020304" pitchFamily="18" charset="0"/>
               </a:rPr>
-              <a:t>. </a:t>
-            </a:r>
-            <a:r>
-              <a:rPr lang="en-US" b="0" i="0" dirty="0" err="1">
+              <a:t>targeted retention strategies</a:t>
+            </a:r>
+            <a:r>
+              <a:rPr lang="en-US" b="0" i="0" cap="none" dirty="0">
                 <a:solidFill>
                   <a:srgbClr val="000000"/>
                 </a:solidFill>
@@ -7562,44 +7635,14 @@
                 <a:latin typeface="Times New Roman" panose="02020603050405020304" pitchFamily="18" charset="0"/>
                 <a:cs typeface="Times New Roman" panose="02020603050405020304" pitchFamily="18" charset="0"/>
               </a:rPr>
-              <a:t>SyriaTel</a:t>
-            </a:r>
-            <a:r>
-              <a:rPr lang="en-US" b="0" i="0" dirty="0">
-                <a:solidFill>
-                  <a:srgbClr val="000000"/>
-                </a:solidFill>
-                <a:effectLst/>
-                <a:latin typeface="Times New Roman" panose="02020603050405020304" pitchFamily="18" charset="0"/>
-                <a:cs typeface="Times New Roman" panose="02020603050405020304" pitchFamily="18" charset="0"/>
-              </a:rPr>
-              <a:t> can then implement </a:t>
-            </a:r>
-            <a:r>
-              <a:rPr lang="en-US" b="1" i="0" dirty="0">
-                <a:solidFill>
-                  <a:srgbClr val="000000"/>
-                </a:solidFill>
-                <a:effectLst/>
-                <a:latin typeface="Times New Roman" panose="02020603050405020304" pitchFamily="18" charset="0"/>
-                <a:cs typeface="Times New Roman" panose="02020603050405020304" pitchFamily="18" charset="0"/>
-              </a:rPr>
-              <a:t>targeted retention strategies</a:t>
-            </a:r>
-            <a:r>
-              <a:rPr lang="en-US" b="0" i="0" dirty="0">
-                <a:solidFill>
-                  <a:srgbClr val="000000"/>
-                </a:solidFill>
-                <a:effectLst/>
-                <a:latin typeface="Times New Roman" panose="02020603050405020304" pitchFamily="18" charset="0"/>
-                <a:cs typeface="Times New Roman" panose="02020603050405020304" pitchFamily="18" charset="0"/>
-              </a:rPr>
               <a:t>, such as offering discounts or improving service.</a:t>
             </a:r>
           </a:p>
           <a:p>
             <a:pPr marL="0" indent="0" algn="l">
+              <a:lnSpc>
+                <a:spcPct val="150000"/>
+              </a:lnSpc>
               <a:buNone/>
             </a:pPr>
             <a:endParaRPr lang="en-US" dirty="0">
@@ -7707,7 +7750,7 @@
         </p:nvSpPr>
         <p:spPr>
           <a:xfrm>
-            <a:off x="1511715" y="457199"/>
+            <a:off x="1566306" y="47767"/>
             <a:ext cx="5066506" cy="777923"/>
           </a:xfrm>
         </p:spPr>
@@ -7759,8 +7802,8 @@
         </p:nvSpPr>
         <p:spPr>
           <a:xfrm>
-            <a:off x="664191" y="1235122"/>
-            <a:ext cx="10863618" cy="5568287"/>
+            <a:off x="300251" y="825690"/>
+            <a:ext cx="11575576" cy="6032310"/>
           </a:xfrm>
         </p:spPr>
         <p:txBody>
@@ -7769,8 +7812,14 @@
           </a:bodyPr>
           <a:lstStyle/>
           <a:p>
-            <a:r>
-              <a:rPr lang="en-US" sz="2400" b="1" u="sng">
+            <a:pPr marL="0" indent="0">
+              <a:lnSpc>
+                <a:spcPct val="150000"/>
+              </a:lnSpc>
+              <a:buNone/>
+            </a:pPr>
+            <a:r>
+              <a:rPr lang="en-US" sz="2400" b="1" u="sng" cap="none" dirty="0">
                 <a:latin typeface="Times New Roman" panose="02020603050405020304" pitchFamily="18" charset="0"/>
                 <a:cs typeface="Times New Roman" panose="02020603050405020304" pitchFamily="18" charset="0"/>
               </a:rPr>
@@ -7778,35 +7827,63 @@
             </a:r>
           </a:p>
           <a:p>
-            <a:r>
-              <a:rPr lang="en-US">
-                <a:latin typeface="Times New Roman" panose="02020603050405020304" pitchFamily="18" charset="0"/>
-                <a:cs typeface="Times New Roman" panose="02020603050405020304" pitchFamily="18" charset="0"/>
-              </a:rPr>
-              <a:t> Features include: State, Account length, Area code, Phone number, International plan, Voice mail plan, and more.</a:t>
-            </a:r>
-          </a:p>
-          <a:p>
-            <a:r>
-              <a:rPr lang="en-US">
-                <a:latin typeface="Times New Roman" panose="02020603050405020304" pitchFamily="18" charset="0"/>
-                <a:cs typeface="Times New Roman" panose="02020603050405020304" pitchFamily="18" charset="0"/>
-              </a:rPr>
-              <a:t>Target Variable: `churn` (1 = Churn, 0 = Not Churn)</a:t>
-            </a:r>
-          </a:p>
-          <a:p>
-            <a:r>
-              <a:rPr lang="en-US" b="1" u="sng">
-                <a:latin typeface="Times New Roman" panose="02020603050405020304" pitchFamily="18" charset="0"/>
-                <a:cs typeface="Times New Roman" panose="02020603050405020304" pitchFamily="18" charset="0"/>
-              </a:rPr>
-              <a:t> Data Preprocessing &amp; Feature Engineering</a:t>
-            </a:r>
-          </a:p>
-          <a:p>
-            <a:r>
-              <a:rPr lang="en-US">
+            <a:pPr>
+              <a:lnSpc>
+                <a:spcPct val="150000"/>
+              </a:lnSpc>
+            </a:pPr>
+            <a:r>
+              <a:rPr lang="en-US" cap="none" dirty="0">
+                <a:latin typeface="Times New Roman" panose="02020603050405020304" pitchFamily="18" charset="0"/>
+                <a:cs typeface="Times New Roman" panose="02020603050405020304" pitchFamily="18" charset="0"/>
+              </a:rPr>
+              <a:t> Features include: state, account length, area code, phone number, international plan, voice mail plan, and more.</a:t>
+            </a:r>
+          </a:p>
+          <a:p>
+            <a:pPr>
+              <a:lnSpc>
+                <a:spcPct val="150000"/>
+              </a:lnSpc>
+            </a:pPr>
+            <a:r>
+              <a:rPr lang="en-US" cap="none" dirty="0">
+                <a:latin typeface="Times New Roman" panose="02020603050405020304" pitchFamily="18" charset="0"/>
+                <a:cs typeface="Times New Roman" panose="02020603050405020304" pitchFamily="18" charset="0"/>
+              </a:rPr>
+              <a:t>Target variable: `churn` (1 = churn, 0 = not churn)</a:t>
+            </a:r>
+          </a:p>
+          <a:p>
+            <a:pPr marL="0" indent="0">
+              <a:lnSpc>
+                <a:spcPct val="150000"/>
+              </a:lnSpc>
+              <a:buNone/>
+            </a:pPr>
+            <a:r>
+              <a:rPr lang="en-US" b="1" u="sng" cap="none" dirty="0">
+                <a:latin typeface="Times New Roman" panose="02020603050405020304" pitchFamily="18" charset="0"/>
+                <a:cs typeface="Times New Roman" panose="02020603050405020304" pitchFamily="18" charset="0"/>
+              </a:rPr>
+              <a:t> </a:t>
+            </a:r>
+            <a:r>
+              <a:rPr lang="en-US" sz="2400" b="1" u="sng" cap="none" dirty="0">
+                <a:latin typeface="Times New Roman" panose="02020603050405020304" pitchFamily="18" charset="0"/>
+                <a:cs typeface="Times New Roman" panose="02020603050405020304" pitchFamily="18" charset="0"/>
+              </a:rPr>
+              <a:t>Data Preprocessing &amp; Feature Engineering</a:t>
+            </a:r>
+          </a:p>
+          <a:p>
+            <a:pPr>
+              <a:lnSpc>
+                <a:spcPct val="150000"/>
+              </a:lnSpc>
+            </a:pPr>
+            <a:r>
+              <a:rPr lang="en-US" cap="none" dirty="0">
                 <a:latin typeface="Times New Roman" panose="02020603050405020304" pitchFamily="18" charset="0"/>
                 <a:cs typeface="Times New Roman" panose="02020603050405020304" pitchFamily="18" charset="0"/>
               </a:rPr>
@@ -7814,44 +7891,102 @@
             </a:r>
           </a:p>
           <a:p>
-            <a:r>
-              <a:rPr lang="en-US">
-                <a:latin typeface="Times New Roman" panose="02020603050405020304" pitchFamily="18" charset="0"/>
-                <a:cs typeface="Times New Roman" panose="02020603050405020304" pitchFamily="18" charset="0"/>
-              </a:rPr>
-              <a:t>Scaled numerical features using MinmaxScaler. </a:t>
-            </a:r>
-          </a:p>
-          <a:p>
-            <a:r>
-              <a:rPr lang="en-US">
-                <a:latin typeface="Times New Roman" panose="02020603050405020304" pitchFamily="18" charset="0"/>
-                <a:cs typeface="Times New Roman" panose="02020603050405020304" pitchFamily="18" charset="0"/>
-              </a:rPr>
-              <a:t>Applied SMOTE to handle class imbalance.</a:t>
-            </a:r>
-          </a:p>
-          <a:p>
-            <a:r>
-              <a:rPr lang="en-US">
-                <a:latin typeface="Times New Roman" panose="02020603050405020304" pitchFamily="18" charset="0"/>
-                <a:cs typeface="Times New Roman" panose="02020603050405020304" pitchFamily="18" charset="0"/>
-              </a:rPr>
-              <a:t>Scaled Train and Test set Using StandardScaler</a:t>
-            </a:r>
-          </a:p>
-          <a:p>
-            <a:r>
-              <a:rPr lang="en-US">
-                <a:latin typeface="Times New Roman" panose="02020603050405020304" pitchFamily="18" charset="0"/>
-                <a:cs typeface="Times New Roman" panose="02020603050405020304" pitchFamily="18" charset="0"/>
-              </a:rPr>
-              <a:t> Selected important features using feature importance from XGBoost.- Created new features</a:t>
-            </a:r>
-            <a:endParaRPr lang="en-US" dirty="0">
-              <a:latin typeface="Times New Roman" panose="02020603050405020304" pitchFamily="18" charset="0"/>
-              <a:cs typeface="Times New Roman" panose="02020603050405020304" pitchFamily="18" charset="0"/>
-            </a:endParaRPr>
+            <a:pPr>
+              <a:lnSpc>
+                <a:spcPct val="150000"/>
+              </a:lnSpc>
+            </a:pPr>
+            <a:r>
+              <a:rPr lang="en-US" cap="none" dirty="0">
+                <a:latin typeface="Times New Roman" panose="02020603050405020304" pitchFamily="18" charset="0"/>
+                <a:cs typeface="Times New Roman" panose="02020603050405020304" pitchFamily="18" charset="0"/>
+              </a:rPr>
+              <a:t>Scaled numerical features using </a:t>
+            </a:r>
+            <a:r>
+              <a:rPr lang="en-US" cap="none" dirty="0" err="1">
+                <a:latin typeface="Times New Roman" panose="02020603050405020304" pitchFamily="18" charset="0"/>
+                <a:cs typeface="Times New Roman" panose="02020603050405020304" pitchFamily="18" charset="0"/>
+              </a:rPr>
+              <a:t>minmaxscaler</a:t>
+            </a:r>
+            <a:r>
+              <a:rPr lang="en-US" cap="none" dirty="0">
+                <a:latin typeface="Times New Roman" panose="02020603050405020304" pitchFamily="18" charset="0"/>
+                <a:cs typeface="Times New Roman" panose="02020603050405020304" pitchFamily="18" charset="0"/>
+              </a:rPr>
+              <a:t>. </a:t>
+            </a:r>
+          </a:p>
+          <a:p>
+            <a:pPr>
+              <a:lnSpc>
+                <a:spcPct val="150000"/>
+              </a:lnSpc>
+            </a:pPr>
+            <a:r>
+              <a:rPr lang="en-US" cap="none" dirty="0">
+                <a:latin typeface="Times New Roman" panose="02020603050405020304" pitchFamily="18" charset="0"/>
+                <a:cs typeface="Times New Roman" panose="02020603050405020304" pitchFamily="18" charset="0"/>
+              </a:rPr>
+              <a:t>Applied smote to handle class imbalance.</a:t>
+            </a:r>
+          </a:p>
+          <a:p>
+            <a:pPr>
+              <a:lnSpc>
+                <a:spcPct val="150000"/>
+              </a:lnSpc>
+            </a:pPr>
+            <a:r>
+              <a:rPr lang="en-US" cap="none" dirty="0">
+                <a:latin typeface="Times New Roman" panose="02020603050405020304" pitchFamily="18" charset="0"/>
+                <a:cs typeface="Times New Roman" panose="02020603050405020304" pitchFamily="18" charset="0"/>
+              </a:rPr>
+              <a:t>Scaled train and test set using </a:t>
+            </a:r>
+            <a:r>
+              <a:rPr lang="en-US" cap="none" dirty="0" err="1">
+                <a:latin typeface="Times New Roman" panose="02020603050405020304" pitchFamily="18" charset="0"/>
+                <a:cs typeface="Times New Roman" panose="02020603050405020304" pitchFamily="18" charset="0"/>
+              </a:rPr>
+              <a:t>standardscaler</a:t>
+            </a:r>
+            <a:r>
+              <a:rPr lang="en-US" cap="none" dirty="0">
+                <a:latin typeface="Times New Roman" panose="02020603050405020304" pitchFamily="18" charset="0"/>
+                <a:cs typeface="Times New Roman" panose="02020603050405020304" pitchFamily="18" charset="0"/>
+              </a:rPr>
+              <a:t>.</a:t>
+            </a:r>
+          </a:p>
+          <a:p>
+            <a:pPr>
+              <a:lnSpc>
+                <a:spcPct val="150000"/>
+              </a:lnSpc>
+            </a:pPr>
+            <a:r>
+              <a:rPr lang="en-US" cap="none" dirty="0">
+                <a:latin typeface="Times New Roman" panose="02020603050405020304" pitchFamily="18" charset="0"/>
+                <a:cs typeface="Times New Roman" panose="02020603050405020304" pitchFamily="18" charset="0"/>
+              </a:rPr>
+              <a:t> Selected important features using feature importance from </a:t>
+            </a:r>
+            <a:r>
+              <a:rPr lang="en-US" cap="none" dirty="0" err="1">
+                <a:latin typeface="Times New Roman" panose="02020603050405020304" pitchFamily="18" charset="0"/>
+                <a:cs typeface="Times New Roman" panose="02020603050405020304" pitchFamily="18" charset="0"/>
+              </a:rPr>
+              <a:t>xgboost</a:t>
+            </a:r>
+            <a:r>
+              <a:rPr lang="en-US" cap="none" dirty="0">
+                <a:latin typeface="Times New Roman" panose="02020603050405020304" pitchFamily="18" charset="0"/>
+                <a:cs typeface="Times New Roman" panose="02020603050405020304" pitchFamily="18" charset="0"/>
+              </a:rPr>
+              <a:t> and created new features.</a:t>
+            </a:r>
           </a:p>
         </p:txBody>
       </p:sp>
@@ -7999,8 +8134,8 @@
         </p:nvSpPr>
         <p:spPr bwMode="auto">
           <a:xfrm>
-            <a:off x="6648165" y="2320027"/>
-            <a:ext cx="5034319" cy="3170099"/>
+            <a:off x="6648165" y="1578254"/>
+            <a:ext cx="5034319" cy="4653646"/>
           </a:xfrm>
           <a:prstGeom prst="rect">
             <a:avLst/>
@@ -8050,7 +8185,7 @@
           <a:p>
             <a:pPr marL="0" marR="0" lvl="0" indent="0" algn="l" defTabSz="914400" rtl="0" eaLnBrk="0" fontAlgn="base" latinLnBrk="0" hangingPunct="0">
               <a:lnSpc>
-                <a:spcPct val="100000"/>
+                <a:spcPct val="150000"/>
               </a:lnSpc>
               <a:spcBef>
                 <a:spcPct val="0"/>
@@ -8124,7 +8259,7 @@
           <a:p>
             <a:pPr marL="0" marR="0" lvl="0" indent="0" algn="l" defTabSz="914400" rtl="0" eaLnBrk="0" fontAlgn="base" latinLnBrk="0" hangingPunct="0">
               <a:lnSpc>
-                <a:spcPct val="100000"/>
+                <a:spcPct val="150000"/>
               </a:lnSpc>
               <a:spcBef>
                 <a:spcPct val="0"/>
@@ -8198,7 +8333,7 @@
           <a:p>
             <a:pPr marL="0" marR="0" lvl="0" indent="0" algn="l" defTabSz="914400" rtl="0" eaLnBrk="0" fontAlgn="base" latinLnBrk="0" hangingPunct="0">
               <a:lnSpc>
-                <a:spcPct val="100000"/>
+                <a:spcPct val="150000"/>
               </a:lnSpc>
               <a:spcBef>
                 <a:spcPct val="0"/>
@@ -8330,8 +8465,8 @@
         </p:blipFill>
         <p:spPr bwMode="auto">
           <a:xfrm>
-            <a:off x="5817785" y="1600032"/>
-            <a:ext cx="5970079" cy="4046774"/>
+            <a:off x="6782937" y="1828800"/>
+            <a:ext cx="5004927" cy="3818006"/>
           </a:xfrm>
           <a:prstGeom prst="rect">
             <a:avLst/>
@@ -8400,8 +8535,8 @@
         </p:nvSpPr>
         <p:spPr>
           <a:xfrm>
-            <a:off x="859809" y="1337481"/>
-            <a:ext cx="4831306" cy="5016758"/>
+            <a:off x="136478" y="1433015"/>
+            <a:ext cx="6905767" cy="5115311"/>
           </a:xfrm>
           <a:prstGeom prst="rect">
             <a:avLst/>
@@ -8414,6 +8549,11 @@
           </a:bodyPr>
           <a:lstStyle/>
           <a:p>
+            <a:pPr>
+              <a:lnSpc>
+                <a:spcPct val="150000"/>
+              </a:lnSpc>
+            </a:pPr>
             <a:r>
               <a:rPr lang="en-US" sz="2000" b="1" dirty="0">
                 <a:latin typeface="Times New Roman" panose="02020603050405020304" pitchFamily="18" charset="0"/>
@@ -8428,6 +8568,9 @@
           </a:p>
           <a:p>
             <a:pPr>
+              <a:lnSpc>
+                <a:spcPct val="150000"/>
+              </a:lnSpc>
               <a:buFont typeface="Arial" panose="020B0604020202020204" pitchFamily="34" charset="0"/>
               <a:buChar char="•"/>
             </a:pPr>
@@ -8441,6 +8584,9 @@
           </a:p>
           <a:p>
             <a:pPr>
+              <a:lnSpc>
+                <a:spcPct val="150000"/>
+              </a:lnSpc>
               <a:buFont typeface="Arial" panose="020B0604020202020204" pitchFamily="34" charset="0"/>
               <a:buChar char="•"/>
             </a:pPr>
@@ -8453,6 +8599,11 @@
             </a:r>
           </a:p>
           <a:p>
+            <a:pPr>
+              <a:lnSpc>
+                <a:spcPct val="150000"/>
+              </a:lnSpc>
+            </a:pPr>
             <a:r>
               <a:rPr lang="en-US" sz="2000" b="1" dirty="0">
                 <a:latin typeface="Times New Roman" panose="02020603050405020304" pitchFamily="18" charset="0"/>
@@ -8467,6 +8618,9 @@
           </a:p>
           <a:p>
             <a:pPr>
+              <a:lnSpc>
+                <a:spcPct val="150000"/>
+              </a:lnSpc>
               <a:buFont typeface="Arial" panose="020B0604020202020204" pitchFamily="34" charset="0"/>
               <a:buChar char="•"/>
             </a:pPr>
@@ -8479,6 +8633,11 @@
             </a:r>
           </a:p>
           <a:p>
+            <a:pPr>
+              <a:lnSpc>
+                <a:spcPct val="150000"/>
+              </a:lnSpc>
+            </a:pPr>
             <a:r>
               <a:rPr lang="en-US" sz="2000" b="1" dirty="0" err="1">
                 <a:latin typeface="Times New Roman" panose="02020603050405020304" pitchFamily="18" charset="0"/>
@@ -8500,6 +8659,9 @@
           </a:p>
           <a:p>
             <a:pPr>
+              <a:lnSpc>
+                <a:spcPct val="150000"/>
+              </a:lnSpc>
               <a:buFont typeface="Arial" panose="020B0604020202020204" pitchFamily="34" charset="0"/>
               <a:buChar char="•"/>
             </a:pPr>
@@ -8512,6 +8674,11 @@
             </a:r>
           </a:p>
           <a:p>
+            <a:pPr>
+              <a:lnSpc>
+                <a:spcPct val="150000"/>
+              </a:lnSpc>
+            </a:pPr>
             <a:r>
               <a:rPr lang="en-US" sz="2000" b="1" dirty="0">
                 <a:latin typeface="Times New Roman" panose="02020603050405020304" pitchFamily="18" charset="0"/>
@@ -8526,6 +8693,9 @@
           </a:p>
           <a:p>
             <a:pPr>
+              <a:lnSpc>
+                <a:spcPct val="150000"/>
+              </a:lnSpc>
               <a:buFont typeface="Arial" panose="020B0604020202020204" pitchFamily="34" charset="0"/>
               <a:buChar char="•"/>
             </a:pPr>
@@ -8539,6 +8709,9 @@
           </a:p>
           <a:p>
             <a:pPr>
+              <a:lnSpc>
+                <a:spcPct val="150000"/>
+              </a:lnSpc>
               <a:buFont typeface="Arial" panose="020B0604020202020204" pitchFamily="34" charset="0"/>
               <a:buChar char="•"/>
             </a:pPr>
@@ -8634,8 +8807,8 @@
         </p:nvSpPr>
         <p:spPr>
           <a:xfrm>
-            <a:off x="682389" y="1166882"/>
-            <a:ext cx="4945056" cy="5632311"/>
+            <a:off x="245663" y="1207827"/>
+            <a:ext cx="7096833" cy="5220690"/>
           </a:xfrm>
           <a:prstGeom prst="rect">
             <a:avLst/>
@@ -8648,6 +8821,11 @@
           </a:bodyPr>
           <a:lstStyle/>
           <a:p>
+            <a:pPr>
+              <a:lnSpc>
+                <a:spcPct val="150000"/>
+              </a:lnSpc>
+            </a:pPr>
             <a:r>
               <a:rPr lang="en-US" sz="2000" b="1" dirty="0">
                 <a:latin typeface="Times New Roman" panose="02020603050405020304" pitchFamily="18" charset="0"/>
@@ -8662,6 +8840,9 @@
           </a:p>
           <a:p>
             <a:pPr>
+              <a:lnSpc>
+                <a:spcPct val="150000"/>
+              </a:lnSpc>
               <a:buFont typeface="Arial" panose="020B0604020202020204" pitchFamily="34" charset="0"/>
               <a:buChar char="•"/>
             </a:pPr>
@@ -8675,6 +8856,9 @@
           </a:p>
           <a:p>
             <a:pPr>
+              <a:lnSpc>
+                <a:spcPct val="150000"/>
+              </a:lnSpc>
               <a:buFont typeface="Arial" panose="020B0604020202020204" pitchFamily="34" charset="0"/>
               <a:buChar char="•"/>
             </a:pPr>
@@ -8687,6 +8871,11 @@
             </a:r>
           </a:p>
           <a:p>
+            <a:pPr>
+              <a:lnSpc>
+                <a:spcPct val="150000"/>
+              </a:lnSpc>
+            </a:pPr>
             <a:r>
               <a:rPr lang="en-US" sz="2000" b="1" dirty="0">
                 <a:latin typeface="Times New Roman" panose="02020603050405020304" pitchFamily="18" charset="0"/>
@@ -8701,6 +8890,9 @@
           </a:p>
           <a:p>
             <a:pPr>
+              <a:lnSpc>
+                <a:spcPct val="150000"/>
+              </a:lnSpc>
               <a:buFont typeface="Arial" panose="020B0604020202020204" pitchFamily="34" charset="0"/>
               <a:buChar char="•"/>
             </a:pPr>
@@ -8713,6 +8905,11 @@
             </a:r>
           </a:p>
           <a:p>
+            <a:pPr>
+              <a:lnSpc>
+                <a:spcPct val="150000"/>
+              </a:lnSpc>
+            </a:pPr>
             <a:r>
               <a:rPr lang="en-US" sz="2000" b="1" dirty="0" err="1">
                 <a:latin typeface="Times New Roman" panose="02020603050405020304" pitchFamily="18" charset="0"/>
@@ -8734,6 +8931,9 @@
           </a:p>
           <a:p>
             <a:pPr>
+              <a:lnSpc>
+                <a:spcPct val="150000"/>
+              </a:lnSpc>
               <a:buFont typeface="Arial" panose="020B0604020202020204" pitchFamily="34" charset="0"/>
               <a:buChar char="•"/>
             </a:pPr>
@@ -8746,6 +8946,11 @@
             </a:r>
           </a:p>
           <a:p>
+            <a:pPr>
+              <a:lnSpc>
+                <a:spcPct val="150000"/>
+              </a:lnSpc>
+            </a:pPr>
             <a:r>
               <a:rPr lang="en-US" sz="2000" b="1" dirty="0">
                 <a:latin typeface="Times New Roman" panose="02020603050405020304" pitchFamily="18" charset="0"/>
@@ -8760,6 +8965,9 @@
           </a:p>
           <a:p>
             <a:pPr>
+              <a:lnSpc>
+                <a:spcPct val="150000"/>
+              </a:lnSpc>
               <a:buFont typeface="Arial" panose="020B0604020202020204" pitchFamily="34" charset="0"/>
               <a:buChar char="•"/>
             </a:pPr>
@@ -8773,6 +8981,9 @@
           </a:p>
           <a:p>
             <a:pPr>
+              <a:lnSpc>
+                <a:spcPct val="150000"/>
+              </a:lnSpc>
               <a:buFont typeface="Arial" panose="020B0604020202020204" pitchFamily="34" charset="0"/>
               <a:buChar char="•"/>
             </a:pPr>
@@ -8829,8 +9040,8 @@
         </p:blipFill>
         <p:spPr bwMode="auto">
           <a:xfrm>
-            <a:off x="5627445" y="1500412"/>
-            <a:ext cx="6182416" cy="4190705"/>
+            <a:off x="6892119" y="1580354"/>
+            <a:ext cx="5054218" cy="4069820"/>
           </a:xfrm>
           <a:prstGeom prst="rect">
             <a:avLst/>
@@ -8906,8 +9117,8 @@
         </p:blipFill>
         <p:spPr bwMode="auto">
           <a:xfrm>
-            <a:off x="5075044" y="1460310"/>
-            <a:ext cx="6171421" cy="4183252"/>
+            <a:off x="6278679" y="1446663"/>
+            <a:ext cx="5268036" cy="4183252"/>
           </a:xfrm>
           <a:prstGeom prst="rect">
             <a:avLst/>
@@ -8976,8 +9187,8 @@
         </p:nvSpPr>
         <p:spPr>
           <a:xfrm>
-            <a:off x="945535" y="1787857"/>
-            <a:ext cx="3981307" cy="4401205"/>
+            <a:off x="327546" y="1446663"/>
+            <a:ext cx="5768454" cy="4653646"/>
           </a:xfrm>
           <a:prstGeom prst="rect">
             <a:avLst/>
@@ -8990,6 +9201,11 @@
           </a:bodyPr>
           <a:lstStyle/>
           <a:p>
+            <a:pPr>
+              <a:lnSpc>
+                <a:spcPct val="150000"/>
+              </a:lnSpc>
+            </a:pPr>
             <a:r>
               <a:rPr lang="en-US" sz="2000" b="1" dirty="0">
                 <a:latin typeface="Times New Roman" panose="02020603050405020304" pitchFamily="18" charset="0"/>
@@ -9004,6 +9220,9 @@
           </a:p>
           <a:p>
             <a:pPr>
+              <a:lnSpc>
+                <a:spcPct val="150000"/>
+              </a:lnSpc>
               <a:buFont typeface="Arial" panose="020B0604020202020204" pitchFamily="34" charset="0"/>
               <a:buChar char="•"/>
             </a:pPr>
@@ -9017,6 +9236,9 @@
           </a:p>
           <a:p>
             <a:pPr>
+              <a:lnSpc>
+                <a:spcPct val="150000"/>
+              </a:lnSpc>
               <a:buFont typeface="Arial" panose="020B0604020202020204" pitchFamily="34" charset="0"/>
               <a:buChar char="•"/>
             </a:pPr>
@@ -9032,11 +9254,14 @@
                 <a:latin typeface="Times New Roman" panose="02020603050405020304" pitchFamily="18" charset="0"/>
                 <a:cs typeface="Times New Roman" panose="02020603050405020304" pitchFamily="18" charset="0"/>
               </a:rPr>
-              <a:t>, meaning fewer missed churners</a:t>
+              <a:t>, meaning fewer missed churners.</a:t>
             </a:r>
           </a:p>
           <a:p>
             <a:pPr>
+              <a:lnSpc>
+                <a:spcPct val="150000"/>
+              </a:lnSpc>
               <a:buFont typeface="Arial" panose="020B0604020202020204" pitchFamily="34" charset="0"/>
               <a:buChar char="•"/>
             </a:pPr>
@@ -9045,10 +9270,15 @@
                 <a:latin typeface="Times New Roman" panose="02020603050405020304" pitchFamily="18" charset="0"/>
                 <a:cs typeface="Times New Roman" panose="02020603050405020304" pitchFamily="18" charset="0"/>
               </a:rPr>
-              <a:t>Helps businesses detect and retain at-risk customers</a:t>
-            </a:r>
-          </a:p>
-          <a:p>
+              <a:t>Helps businesses detect and retain at-risk customers.</a:t>
+            </a:r>
+          </a:p>
+          <a:p>
+            <a:pPr>
+              <a:lnSpc>
+                <a:spcPct val="150000"/>
+              </a:lnSpc>
+            </a:pPr>
             <a:r>
               <a:rPr lang="en-US" sz="2000" b="1" dirty="0">
                 <a:latin typeface="Times New Roman" panose="02020603050405020304" pitchFamily="18" charset="0"/>
@@ -9077,6 +9307,9 @@
           </a:p>
           <a:p>
             <a:pPr>
+              <a:lnSpc>
+                <a:spcPct val="150000"/>
+              </a:lnSpc>
               <a:buFont typeface="Arial" panose="020B0604020202020204" pitchFamily="34" charset="0"/>
               <a:buChar char="•"/>
             </a:pPr>
@@ -9101,6 +9334,9 @@
           </a:p>
           <a:p>
             <a:pPr>
+              <a:lnSpc>
+                <a:spcPct val="150000"/>
+              </a:lnSpc>
               <a:buFont typeface="Arial" panose="020B0604020202020204" pitchFamily="34" charset="0"/>
               <a:buChar char="•"/>
             </a:pPr>
@@ -9109,7 +9345,7 @@
                 <a:latin typeface="Times New Roman" panose="02020603050405020304" pitchFamily="18" charset="0"/>
                 <a:cs typeface="Times New Roman" panose="02020603050405020304" pitchFamily="18" charset="0"/>
               </a:rPr>
-              <a:t>Some at-risk customers may not be flagged</a:t>
+              <a:t>Some at-risk customers may not be flagged.</a:t>
             </a:r>
           </a:p>
         </p:txBody>
@@ -9158,8 +9394,8 @@
         </p:nvSpPr>
         <p:spPr>
           <a:xfrm>
-            <a:off x="1646828" y="4351304"/>
-            <a:ext cx="8325134" cy="1631216"/>
+            <a:off x="1646828" y="4074783"/>
+            <a:ext cx="8325134" cy="2344937"/>
           </a:xfrm>
           <a:prstGeom prst="rect">
             <a:avLst/>
@@ -9172,6 +9408,11 @@
           </a:bodyPr>
           <a:lstStyle/>
           <a:p>
+            <a:pPr>
+              <a:lnSpc>
+                <a:spcPct val="150000"/>
+              </a:lnSpc>
+            </a:pPr>
             <a:r>
               <a:rPr lang="en-US" sz="2000" b="1" dirty="0">
                 <a:latin typeface="Times New Roman" panose="02020603050405020304" pitchFamily="18" charset="0"/>
@@ -9195,6 +9436,11 @@
             </a:r>
           </a:p>
           <a:p>
+            <a:pPr>
+              <a:lnSpc>
+                <a:spcPct val="150000"/>
+              </a:lnSpc>
+            </a:pPr>
             <a:r>
               <a:rPr lang="en-US" sz="2000" dirty="0">
                 <a:latin typeface="Times New Roman" panose="02020603050405020304" pitchFamily="18" charset="0"/>
@@ -9859,8 +10105,8 @@
         </p:blipFill>
         <p:spPr bwMode="auto">
           <a:xfrm>
-            <a:off x="3916907" y="1332874"/>
-            <a:ext cx="7865327" cy="4350007"/>
+            <a:off x="5063653" y="1815152"/>
+            <a:ext cx="6814448" cy="3881377"/>
           </a:xfrm>
           <a:prstGeom prst="rect">
             <a:avLst/>
@@ -9891,8 +10137,8 @@
         </p:nvSpPr>
         <p:spPr>
           <a:xfrm>
-            <a:off x="805218" y="1382859"/>
-            <a:ext cx="2988860" cy="5324535"/>
+            <a:off x="313899" y="1405719"/>
+            <a:ext cx="4749754" cy="5187985"/>
           </a:xfrm>
           <a:prstGeom prst="rect">
             <a:avLst/>
@@ -9905,7 +10151,11 @@
           </a:bodyPr>
           <a:lstStyle/>
           <a:p>
-            <a:pPr algn="l"/>
+            <a:pPr algn="l">
+              <a:lnSpc>
+                <a:spcPct val="150000"/>
+              </a:lnSpc>
+            </a:pPr>
             <a:r>
               <a:rPr lang="en-US" sz="2000" b="1" i="0" dirty="0">
                 <a:solidFill>
@@ -9920,6 +10170,9 @@
           </a:p>
           <a:p>
             <a:pPr algn="l">
+              <a:lnSpc>
+                <a:spcPct val="150000"/>
+              </a:lnSpc>
               <a:buFont typeface="+mj-lt"/>
               <a:buAutoNum type="arabicPeriod"/>
             </a:pPr>
